--- a/streams/docs/pact-2011/figures/early-example.pptx
+++ b/streams/docs/pact-2011/figures/early-example.pptx
@@ -9420,7 +9420,7 @@
         <p:spPr>
           <a:xfrm>
             <a:off x="1631505" y="2664878"/>
-            <a:ext cx="319243" cy="230832"/>
+            <a:ext cx="312762" cy="230832"/>
           </a:xfrm>
           <a:prstGeom prst="rect">
             <a:avLst/>
@@ -9434,11 +9434,11 @@
           <a:lstStyle/>
           <a:p>
             <a:r>
-              <a:rPr lang="en-US" sz="900" dirty="0" smtClean="0">
+              <a:rPr lang="en-US" sz="900" smtClean="0">
                 <a:latin typeface="Times"/>
                 <a:cs typeface="Times"/>
               </a:rPr>
-              <a:t>(b)</a:t>
+              <a:t>(a)</a:t>
             </a:r>
             <a:endParaRPr lang="en-US" sz="900" dirty="0">
               <a:latin typeface="Times"/>

--- a/streams/docs/pact-2011/figures/early-example.pptx
+++ b/streams/docs/pact-2011/figures/early-example.pptx
@@ -3103,7 +3103,7 @@
         </p:nvSpPr>
         <p:spPr>
           <a:xfrm>
-            <a:off x="540231" y="3446651"/>
+            <a:off x="540231" y="3209575"/>
             <a:ext cx="66390" cy="194603"/>
           </a:xfrm>
           <a:prstGeom prst="rect">
@@ -3148,7 +3148,7 @@
         </p:nvSpPr>
         <p:spPr>
           <a:xfrm>
-            <a:off x="605100" y="3446651"/>
+            <a:off x="605100" y="3209575"/>
             <a:ext cx="66390" cy="194603"/>
           </a:xfrm>
           <a:prstGeom prst="rect">
@@ -3193,7 +3193,7 @@
         </p:nvSpPr>
         <p:spPr>
           <a:xfrm>
-            <a:off x="669882" y="3446651"/>
+            <a:off x="669882" y="3209575"/>
             <a:ext cx="66390" cy="194603"/>
           </a:xfrm>
           <a:prstGeom prst="rect">
@@ -3238,7 +3238,7 @@
         </p:nvSpPr>
         <p:spPr>
           <a:xfrm>
-            <a:off x="734751" y="3446651"/>
+            <a:off x="734751" y="3209575"/>
             <a:ext cx="66390" cy="194603"/>
           </a:xfrm>
           <a:prstGeom prst="rect">
@@ -3283,7 +3283,7 @@
         </p:nvSpPr>
         <p:spPr>
           <a:xfrm>
-            <a:off x="801141" y="3446651"/>
+            <a:off x="801141" y="3209575"/>
             <a:ext cx="66390" cy="194603"/>
           </a:xfrm>
           <a:prstGeom prst="rect">
@@ -3328,7 +3328,7 @@
         </p:nvSpPr>
         <p:spPr>
           <a:xfrm>
-            <a:off x="866010" y="3446651"/>
+            <a:off x="866010" y="3209575"/>
             <a:ext cx="66390" cy="194603"/>
           </a:xfrm>
           <a:prstGeom prst="rect">
@@ -3373,7 +3373,7 @@
         </p:nvSpPr>
         <p:spPr>
           <a:xfrm>
-            <a:off x="930792" y="3446651"/>
+            <a:off x="930792" y="3209575"/>
             <a:ext cx="66390" cy="194603"/>
           </a:xfrm>
           <a:prstGeom prst="rect">
@@ -3418,7 +3418,7 @@
         </p:nvSpPr>
         <p:spPr>
           <a:xfrm>
-            <a:off x="995661" y="3446651"/>
+            <a:off x="995661" y="3209575"/>
             <a:ext cx="66390" cy="194603"/>
           </a:xfrm>
           <a:prstGeom prst="rect">
@@ -3463,7 +3463,7 @@
         </p:nvSpPr>
         <p:spPr>
           <a:xfrm>
-            <a:off x="1060692" y="3446651"/>
+            <a:off x="1060692" y="3209575"/>
             <a:ext cx="66390" cy="194603"/>
           </a:xfrm>
           <a:prstGeom prst="rect">
@@ -3508,7 +3508,7 @@
         </p:nvSpPr>
         <p:spPr>
           <a:xfrm>
-            <a:off x="1125561" y="3446651"/>
+            <a:off x="1125561" y="3209575"/>
             <a:ext cx="66390" cy="194603"/>
           </a:xfrm>
           <a:prstGeom prst="rect">
@@ -3557,7 +3557,7 @@
         </p:nvSpPr>
         <p:spPr>
           <a:xfrm>
-            <a:off x="1190343" y="3446651"/>
+            <a:off x="1190343" y="3209575"/>
             <a:ext cx="66390" cy="194603"/>
           </a:xfrm>
           <a:prstGeom prst="rect">
@@ -3606,7 +3606,7 @@
         </p:nvSpPr>
         <p:spPr>
           <a:xfrm>
-            <a:off x="1255212" y="3446651"/>
+            <a:off x="1255212" y="3209575"/>
             <a:ext cx="66390" cy="194603"/>
           </a:xfrm>
           <a:prstGeom prst="rect">
@@ -3651,7 +3651,7 @@
         </p:nvSpPr>
         <p:spPr>
           <a:xfrm>
-            <a:off x="1321602" y="3446651"/>
+            <a:off x="1321602" y="3209575"/>
             <a:ext cx="66390" cy="194603"/>
           </a:xfrm>
           <a:prstGeom prst="rect">
@@ -3696,7 +3696,7 @@
         </p:nvSpPr>
         <p:spPr>
           <a:xfrm>
-            <a:off x="1386471" y="3446651"/>
+            <a:off x="1386471" y="3209575"/>
             <a:ext cx="66390" cy="194603"/>
           </a:xfrm>
           <a:prstGeom prst="rect">
@@ -3741,7 +3741,7 @@
         </p:nvSpPr>
         <p:spPr>
           <a:xfrm>
-            <a:off x="1451253" y="3446651"/>
+            <a:off x="1451253" y="3209575"/>
             <a:ext cx="66390" cy="194603"/>
           </a:xfrm>
           <a:prstGeom prst="rect">
@@ -3786,7 +3786,7 @@
         </p:nvSpPr>
         <p:spPr>
           <a:xfrm>
-            <a:off x="1516122" y="3446651"/>
+            <a:off x="1516122" y="3209575"/>
             <a:ext cx="66390" cy="194603"/>
           </a:xfrm>
           <a:prstGeom prst="rect">
@@ -3831,7 +3831,7 @@
         </p:nvSpPr>
         <p:spPr>
           <a:xfrm>
-            <a:off x="1582512" y="3446651"/>
+            <a:off x="1582512" y="3209575"/>
             <a:ext cx="66390" cy="194603"/>
           </a:xfrm>
           <a:prstGeom prst="rect">
@@ -3876,7 +3876,7 @@
         </p:nvSpPr>
         <p:spPr>
           <a:xfrm>
-            <a:off x="1647381" y="3446651"/>
+            <a:off x="1647381" y="3209575"/>
             <a:ext cx="66390" cy="194603"/>
           </a:xfrm>
           <a:prstGeom prst="rect">
@@ -3921,7 +3921,7 @@
         </p:nvSpPr>
         <p:spPr>
           <a:xfrm>
-            <a:off x="1712163" y="3446651"/>
+            <a:off x="1712163" y="3209575"/>
             <a:ext cx="66390" cy="194603"/>
           </a:xfrm>
           <a:prstGeom prst="rect">
@@ -3968,7 +3968,7 @@
         </p:nvSpPr>
         <p:spPr>
           <a:xfrm>
-            <a:off x="1777032" y="3446651"/>
+            <a:off x="1777032" y="3209575"/>
             <a:ext cx="66390" cy="194603"/>
           </a:xfrm>
           <a:prstGeom prst="rect">
@@ -4015,7 +4015,7 @@
         </p:nvSpPr>
         <p:spPr>
           <a:xfrm>
-            <a:off x="1843422" y="3446651"/>
+            <a:off x="1843422" y="3209575"/>
             <a:ext cx="66390" cy="194603"/>
           </a:xfrm>
           <a:prstGeom prst="rect">
@@ -4060,7 +4060,7 @@
         </p:nvSpPr>
         <p:spPr>
           <a:xfrm>
-            <a:off x="1908291" y="3446651"/>
+            <a:off x="1908291" y="3209575"/>
             <a:ext cx="66390" cy="194603"/>
           </a:xfrm>
           <a:prstGeom prst="rect">
@@ -4105,7 +4105,7 @@
         </p:nvSpPr>
         <p:spPr>
           <a:xfrm>
-            <a:off x="1973073" y="3446651"/>
+            <a:off x="1973073" y="3209575"/>
             <a:ext cx="66390" cy="194603"/>
           </a:xfrm>
           <a:prstGeom prst="rect">
@@ -4150,7 +4150,7 @@
         </p:nvSpPr>
         <p:spPr>
           <a:xfrm>
-            <a:off x="2037942" y="3446651"/>
+            <a:off x="2037942" y="3209575"/>
             <a:ext cx="66390" cy="194603"/>
           </a:xfrm>
           <a:prstGeom prst="rect">
@@ -4195,7 +4195,7 @@
         </p:nvSpPr>
         <p:spPr>
           <a:xfrm>
-            <a:off x="2102973" y="3446651"/>
+            <a:off x="2102973" y="3209575"/>
             <a:ext cx="66390" cy="194603"/>
           </a:xfrm>
           <a:prstGeom prst="rect">
@@ -4240,7 +4240,7 @@
         </p:nvSpPr>
         <p:spPr>
           <a:xfrm>
-            <a:off x="2167842" y="3446651"/>
+            <a:off x="2167842" y="3209575"/>
             <a:ext cx="66390" cy="194603"/>
           </a:xfrm>
           <a:prstGeom prst="rect">
@@ -4285,7 +4285,7 @@
         </p:nvSpPr>
         <p:spPr>
           <a:xfrm>
-            <a:off x="2232624" y="3446651"/>
+            <a:off x="2232624" y="3209575"/>
             <a:ext cx="66390" cy="194603"/>
           </a:xfrm>
           <a:prstGeom prst="rect">
@@ -4330,7 +4330,7 @@
         </p:nvSpPr>
         <p:spPr>
           <a:xfrm>
-            <a:off x="2297493" y="3446651"/>
+            <a:off x="2297493" y="3209575"/>
             <a:ext cx="66390" cy="194603"/>
           </a:xfrm>
           <a:prstGeom prst="rect">
@@ -4377,7 +4377,7 @@
         </p:nvSpPr>
         <p:spPr>
           <a:xfrm>
-            <a:off x="2363883" y="3446651"/>
+            <a:off x="2363883" y="3209575"/>
             <a:ext cx="66390" cy="194603"/>
           </a:xfrm>
           <a:prstGeom prst="rect">
@@ -4424,7 +4424,7 @@
         </p:nvSpPr>
         <p:spPr>
           <a:xfrm>
-            <a:off x="2428752" y="3446651"/>
+            <a:off x="2428752" y="3209575"/>
             <a:ext cx="66390" cy="194603"/>
           </a:xfrm>
           <a:prstGeom prst="rect">
@@ -4469,7 +4469,7 @@
         </p:nvSpPr>
         <p:spPr>
           <a:xfrm>
-            <a:off x="2493534" y="3446651"/>
+            <a:off x="2493534" y="3209575"/>
             <a:ext cx="66390" cy="194603"/>
           </a:xfrm>
           <a:prstGeom prst="rect">
@@ -4514,7 +4514,7 @@
         </p:nvSpPr>
         <p:spPr>
           <a:xfrm>
-            <a:off x="2558403" y="3446651"/>
+            <a:off x="2558403" y="3209575"/>
             <a:ext cx="66390" cy="194603"/>
           </a:xfrm>
           <a:prstGeom prst="rect">
@@ -4561,7 +4561,7 @@
         </p:nvSpPr>
         <p:spPr>
           <a:xfrm>
-            <a:off x="2626504" y="3446651"/>
+            <a:off x="2626504" y="3209575"/>
             <a:ext cx="66390" cy="194603"/>
           </a:xfrm>
           <a:prstGeom prst="rect">
@@ -4608,7 +4608,7 @@
         </p:nvSpPr>
         <p:spPr>
           <a:xfrm>
-            <a:off x="2691373" y="3446651"/>
+            <a:off x="2691373" y="3209575"/>
             <a:ext cx="66390" cy="194603"/>
           </a:xfrm>
           <a:prstGeom prst="rect">
@@ -4653,7 +4653,7 @@
         </p:nvSpPr>
         <p:spPr>
           <a:xfrm>
-            <a:off x="2756155" y="3446651"/>
+            <a:off x="2756155" y="3209575"/>
             <a:ext cx="66390" cy="194603"/>
           </a:xfrm>
           <a:prstGeom prst="rect">
@@ -4698,7 +4698,7 @@
         </p:nvSpPr>
         <p:spPr>
           <a:xfrm>
-            <a:off x="2821024" y="3446651"/>
+            <a:off x="2821024" y="3209575"/>
             <a:ext cx="66390" cy="194603"/>
           </a:xfrm>
           <a:prstGeom prst="rect">
@@ -4743,7 +4743,7 @@
         </p:nvSpPr>
         <p:spPr>
           <a:xfrm>
-            <a:off x="2887414" y="3446651"/>
+            <a:off x="2887414" y="3209575"/>
             <a:ext cx="66390" cy="194603"/>
           </a:xfrm>
           <a:prstGeom prst="rect">
@@ -4788,7 +4788,7 @@
         </p:nvSpPr>
         <p:spPr>
           <a:xfrm>
-            <a:off x="2952283" y="3446651"/>
+            <a:off x="2952283" y="3209575"/>
             <a:ext cx="66390" cy="194603"/>
           </a:xfrm>
           <a:prstGeom prst="rect">
@@ -4833,7 +4833,7 @@
         </p:nvSpPr>
         <p:spPr>
           <a:xfrm>
-            <a:off x="3017065" y="3446651"/>
+            <a:off x="3017065" y="3209575"/>
             <a:ext cx="66390" cy="194603"/>
           </a:xfrm>
           <a:prstGeom prst="rect">
@@ -4878,7 +4878,7 @@
         </p:nvSpPr>
         <p:spPr>
           <a:xfrm>
-            <a:off x="3081934" y="3446651"/>
+            <a:off x="3081934" y="3209575"/>
             <a:ext cx="66390" cy="194603"/>
           </a:xfrm>
           <a:prstGeom prst="rect">
@@ -4923,7 +4923,7 @@
         </p:nvSpPr>
         <p:spPr>
           <a:xfrm>
-            <a:off x="3146965" y="3446651"/>
+            <a:off x="3146965" y="3209575"/>
             <a:ext cx="66390" cy="194603"/>
           </a:xfrm>
           <a:prstGeom prst="rect">
@@ -4970,7 +4970,7 @@
         </p:nvSpPr>
         <p:spPr>
           <a:xfrm>
-            <a:off x="3211834" y="3446651"/>
+            <a:off x="3211834" y="3209575"/>
             <a:ext cx="66390" cy="194603"/>
           </a:xfrm>
           <a:prstGeom prst="rect">
@@ -5017,7 +5017,7 @@
         </p:nvCxnSpPr>
         <p:spPr>
           <a:xfrm>
-            <a:off x="538710" y="3708408"/>
+            <a:off x="538710" y="3471332"/>
             <a:ext cx="716501" cy="0"/>
           </a:xfrm>
           <a:prstGeom prst="line">
@@ -5055,7 +5055,7 @@
         </p:nvCxnSpPr>
         <p:spPr>
           <a:xfrm rot="5400000">
-            <a:off x="492174" y="3707052"/>
+            <a:off x="492174" y="3469976"/>
             <a:ext cx="93073" cy="0"/>
           </a:xfrm>
           <a:prstGeom prst="line">
@@ -5093,7 +5093,7 @@
         </p:nvCxnSpPr>
         <p:spPr>
           <a:xfrm rot="5400000">
-            <a:off x="1210196" y="3708408"/>
+            <a:off x="1210196" y="3471332"/>
             <a:ext cx="93073" cy="0"/>
           </a:xfrm>
           <a:prstGeom prst="line">
@@ -5131,7 +5131,7 @@
         </p:nvGrpSpPr>
         <p:grpSpPr>
           <a:xfrm>
-            <a:off x="1127082" y="3745175"/>
+            <a:off x="1127082" y="3508099"/>
             <a:ext cx="718023" cy="94429"/>
             <a:chOff x="1127082" y="1865575"/>
             <a:chExt cx="718023" cy="94429"/>
@@ -5260,7 +5260,7 @@
         </p:nvGrpSpPr>
         <p:grpSpPr>
           <a:xfrm>
-            <a:off x="1715916" y="3661871"/>
+            <a:off x="1715916" y="3424795"/>
             <a:ext cx="718023" cy="94429"/>
             <a:chOff x="1127082" y="1865575"/>
             <a:chExt cx="718023" cy="94429"/>
@@ -5389,7 +5389,7 @@
         </p:nvSpPr>
         <p:spPr>
           <a:xfrm>
-            <a:off x="702227" y="3650152"/>
+            <a:off x="702227" y="3413076"/>
             <a:ext cx="337643" cy="215444"/>
           </a:xfrm>
           <a:prstGeom prst="rect">
@@ -5447,7 +5447,7 @@
         </p:nvSpPr>
         <p:spPr>
           <a:xfrm>
-            <a:off x="1313436" y="3750738"/>
+            <a:off x="1313436" y="3513662"/>
             <a:ext cx="337643" cy="215444"/>
           </a:xfrm>
           <a:prstGeom prst="rect">
@@ -5506,7 +5506,7 @@
         </p:nvSpPr>
         <p:spPr>
           <a:xfrm>
-            <a:off x="1874796" y="3658025"/>
+            <a:off x="1874796" y="3420949"/>
             <a:ext cx="387536" cy="215444"/>
           </a:xfrm>
           <a:prstGeom prst="rect">
@@ -5559,7 +5559,7 @@
         </p:nvGrpSpPr>
         <p:grpSpPr>
           <a:xfrm>
-            <a:off x="1969977" y="3745175"/>
+            <a:off x="1969977" y="3508099"/>
             <a:ext cx="718023" cy="94429"/>
             <a:chOff x="1127082" y="1865575"/>
             <a:chExt cx="718023" cy="94429"/>
@@ -5688,7 +5688,7 @@
         </p:nvGrpSpPr>
         <p:grpSpPr>
           <a:xfrm>
-            <a:off x="2558811" y="3661871"/>
+            <a:off x="2558811" y="3424795"/>
             <a:ext cx="718023" cy="94429"/>
             <a:chOff x="1127082" y="1865575"/>
             <a:chExt cx="718023" cy="94429"/>
@@ -5817,8 +5817,8 @@
         </p:nvSpPr>
         <p:spPr>
           <a:xfrm>
-            <a:off x="2736926" y="3658025"/>
-            <a:ext cx="349064" cy="215444"/>
+            <a:off x="2720578" y="3420949"/>
+            <a:ext cx="381759" cy="215444"/>
           </a:xfrm>
           <a:prstGeom prst="rect">
             <a:avLst/>
@@ -5833,7 +5833,7 @@
           <a:p>
             <a:pPr algn="ctr"/>
             <a:r>
-              <a:rPr lang="en-US" sz="800" i="1" dirty="0">
+              <a:rPr lang="en-US" sz="800" i="1" dirty="0" smtClean="0">
                 <a:solidFill>
                   <a:schemeClr val="bg1">
                     <a:lumMod val="50000"/>
@@ -5842,7 +5842,7 @@
                 <a:latin typeface="Times New Roman"/>
                 <a:cs typeface="Times New Roman"/>
               </a:rPr>
-              <a:t>f</a:t>
+              <a:t>F</a:t>
             </a:r>
             <a:r>
               <a:rPr lang="en-US" sz="800" i="1" baseline="-25000" dirty="0" smtClean="0">
@@ -5854,7 +5854,7 @@
                 <a:latin typeface="Times New Roman"/>
                 <a:cs typeface="Times New Roman"/>
               </a:rPr>
-              <a:t>1,N</a:t>
+              <a:t>1,M</a:t>
             </a:r>
             <a:endParaRPr lang="en-US" sz="800" i="1" baseline="-25000" dirty="0">
               <a:solidFill>
@@ -5876,7 +5876,7 @@
         </p:nvSpPr>
         <p:spPr>
           <a:xfrm>
-            <a:off x="1936898" y="3309743"/>
+            <a:off x="1936898" y="3072667"/>
             <a:ext cx="525160" cy="706967"/>
           </a:xfrm>
           <a:prstGeom prst="rect">
@@ -5921,7 +5921,7 @@
         </p:nvSpPr>
         <p:spPr>
           <a:xfrm>
-            <a:off x="1974681" y="3297031"/>
+            <a:off x="1974681" y="3059955"/>
             <a:ext cx="415498" cy="369332"/>
           </a:xfrm>
           <a:prstGeom prst="rect">
@@ -5957,7 +5957,7 @@
         </p:nvSpPr>
         <p:spPr>
           <a:xfrm>
-            <a:off x="543176" y="4150542"/>
+            <a:off x="543176" y="3913466"/>
             <a:ext cx="66390" cy="194603"/>
           </a:xfrm>
           <a:prstGeom prst="rect">
@@ -6004,7 +6004,7 @@
         </p:nvSpPr>
         <p:spPr>
           <a:xfrm>
-            <a:off x="608045" y="4150542"/>
+            <a:off x="608045" y="3913466"/>
             <a:ext cx="66390" cy="194603"/>
           </a:xfrm>
           <a:prstGeom prst="rect">
@@ -6051,7 +6051,7 @@
         </p:nvSpPr>
         <p:spPr>
           <a:xfrm>
-            <a:off x="672827" y="4150542"/>
+            <a:off x="672827" y="3913466"/>
             <a:ext cx="66390" cy="194603"/>
           </a:xfrm>
           <a:prstGeom prst="rect">
@@ -6096,7 +6096,7 @@
         </p:nvSpPr>
         <p:spPr>
           <a:xfrm>
-            <a:off x="737696" y="4150542"/>
+            <a:off x="737696" y="3913466"/>
             <a:ext cx="66390" cy="194603"/>
           </a:xfrm>
           <a:prstGeom prst="rect">
@@ -6141,7 +6141,7 @@
         </p:nvSpPr>
         <p:spPr>
           <a:xfrm>
-            <a:off x="804086" y="4150542"/>
+            <a:off x="804086" y="3913466"/>
             <a:ext cx="66390" cy="194603"/>
           </a:xfrm>
           <a:prstGeom prst="rect">
@@ -6186,7 +6186,7 @@
         </p:nvSpPr>
         <p:spPr>
           <a:xfrm>
-            <a:off x="868955" y="4150542"/>
+            <a:off x="868955" y="3913466"/>
             <a:ext cx="66390" cy="194603"/>
           </a:xfrm>
           <a:prstGeom prst="rect">
@@ -6231,7 +6231,7 @@
         </p:nvSpPr>
         <p:spPr>
           <a:xfrm>
-            <a:off x="933737" y="4150542"/>
+            <a:off x="933737" y="3913466"/>
             <a:ext cx="66390" cy="194603"/>
           </a:xfrm>
           <a:prstGeom prst="rect">
@@ -6276,7 +6276,7 @@
         </p:nvSpPr>
         <p:spPr>
           <a:xfrm>
-            <a:off x="998606" y="4150542"/>
+            <a:off x="998606" y="3913466"/>
             <a:ext cx="66390" cy="194603"/>
           </a:xfrm>
           <a:prstGeom prst="rect">
@@ -6321,7 +6321,7 @@
         </p:nvSpPr>
         <p:spPr>
           <a:xfrm>
-            <a:off x="1063637" y="4150542"/>
+            <a:off x="1063637" y="3913466"/>
             <a:ext cx="66390" cy="194603"/>
           </a:xfrm>
           <a:prstGeom prst="rect">
@@ -6366,7 +6366,7 @@
         </p:nvSpPr>
         <p:spPr>
           <a:xfrm>
-            <a:off x="1128506" y="4150542"/>
+            <a:off x="1128506" y="3913466"/>
             <a:ext cx="66390" cy="194603"/>
           </a:xfrm>
           <a:prstGeom prst="rect">
@@ -6415,7 +6415,7 @@
         </p:nvSpPr>
         <p:spPr>
           <a:xfrm>
-            <a:off x="1193288" y="4150542"/>
+            <a:off x="1193288" y="3913466"/>
             <a:ext cx="66390" cy="194603"/>
           </a:xfrm>
           <a:prstGeom prst="rect">
@@ -6464,7 +6464,7 @@
         </p:nvSpPr>
         <p:spPr>
           <a:xfrm>
-            <a:off x="1258157" y="4150542"/>
+            <a:off x="1258157" y="3913466"/>
             <a:ext cx="66390" cy="194603"/>
           </a:xfrm>
           <a:prstGeom prst="rect">
@@ -6509,7 +6509,7 @@
         </p:nvSpPr>
         <p:spPr>
           <a:xfrm>
-            <a:off x="1324547" y="4150542"/>
+            <a:off x="1324547" y="3913466"/>
             <a:ext cx="66390" cy="194603"/>
           </a:xfrm>
           <a:prstGeom prst="rect">
@@ -6554,7 +6554,7 @@
         </p:nvSpPr>
         <p:spPr>
           <a:xfrm>
-            <a:off x="1389416" y="4150542"/>
+            <a:off x="1389416" y="3913466"/>
             <a:ext cx="66390" cy="194603"/>
           </a:xfrm>
           <a:prstGeom prst="rect">
@@ -6599,7 +6599,7 @@
         </p:nvSpPr>
         <p:spPr>
           <a:xfrm>
-            <a:off x="1454198" y="4150542"/>
+            <a:off x="1454198" y="3913466"/>
             <a:ext cx="66390" cy="194603"/>
           </a:xfrm>
           <a:prstGeom prst="rect">
@@ -6644,7 +6644,7 @@
         </p:nvSpPr>
         <p:spPr>
           <a:xfrm>
-            <a:off x="1519067" y="4150542"/>
+            <a:off x="1519067" y="3913466"/>
             <a:ext cx="66390" cy="194603"/>
           </a:xfrm>
           <a:prstGeom prst="rect">
@@ -6689,7 +6689,7 @@
         </p:nvSpPr>
         <p:spPr>
           <a:xfrm>
-            <a:off x="1585457" y="4150542"/>
+            <a:off x="1585457" y="3913466"/>
             <a:ext cx="66390" cy="194603"/>
           </a:xfrm>
           <a:prstGeom prst="rect">
@@ -6734,7 +6734,7 @@
         </p:nvSpPr>
         <p:spPr>
           <a:xfrm>
-            <a:off x="1650326" y="4150542"/>
+            <a:off x="1650326" y="3913466"/>
             <a:ext cx="66390" cy="194603"/>
           </a:xfrm>
           <a:prstGeom prst="rect">
@@ -6779,7 +6779,7 @@
         </p:nvSpPr>
         <p:spPr>
           <a:xfrm>
-            <a:off x="1715108" y="4150542"/>
+            <a:off x="1715108" y="3913466"/>
             <a:ext cx="66390" cy="194603"/>
           </a:xfrm>
           <a:prstGeom prst="rect">
@@ -6826,7 +6826,7 @@
         </p:nvSpPr>
         <p:spPr>
           <a:xfrm>
-            <a:off x="1779977" y="4150542"/>
+            <a:off x="1779977" y="3913466"/>
             <a:ext cx="66390" cy="194603"/>
           </a:xfrm>
           <a:prstGeom prst="rect">
@@ -6873,7 +6873,7 @@
         </p:nvSpPr>
         <p:spPr>
           <a:xfrm>
-            <a:off x="1846367" y="4150542"/>
+            <a:off x="1846367" y="3913466"/>
             <a:ext cx="66390" cy="194603"/>
           </a:xfrm>
           <a:prstGeom prst="rect">
@@ -6918,7 +6918,7 @@
         </p:nvSpPr>
         <p:spPr>
           <a:xfrm>
-            <a:off x="1911236" y="4150542"/>
+            <a:off x="1911236" y="3913466"/>
             <a:ext cx="66390" cy="194603"/>
           </a:xfrm>
           <a:prstGeom prst="rect">
@@ -6963,7 +6963,7 @@
         </p:nvSpPr>
         <p:spPr>
           <a:xfrm>
-            <a:off x="1976018" y="4150542"/>
+            <a:off x="1976018" y="3913466"/>
             <a:ext cx="66390" cy="194603"/>
           </a:xfrm>
           <a:prstGeom prst="rect">
@@ -7008,7 +7008,7 @@
         </p:nvSpPr>
         <p:spPr>
           <a:xfrm>
-            <a:off x="2040887" y="4150542"/>
+            <a:off x="2040887" y="3913466"/>
             <a:ext cx="66390" cy="194603"/>
           </a:xfrm>
           <a:prstGeom prst="rect">
@@ -7053,7 +7053,7 @@
         </p:nvSpPr>
         <p:spPr>
           <a:xfrm>
-            <a:off x="2105918" y="4150542"/>
+            <a:off x="2105918" y="3913466"/>
             <a:ext cx="66390" cy="194603"/>
           </a:xfrm>
           <a:prstGeom prst="rect">
@@ -7098,7 +7098,7 @@
         </p:nvSpPr>
         <p:spPr>
           <a:xfrm>
-            <a:off x="2170787" y="4150542"/>
+            <a:off x="2170787" y="3913466"/>
             <a:ext cx="66390" cy="194603"/>
           </a:xfrm>
           <a:prstGeom prst="rect">
@@ -7143,7 +7143,7 @@
         </p:nvSpPr>
         <p:spPr>
           <a:xfrm>
-            <a:off x="2235569" y="4150542"/>
+            <a:off x="2235569" y="3913466"/>
             <a:ext cx="66390" cy="194603"/>
           </a:xfrm>
           <a:prstGeom prst="rect">
@@ -7188,7 +7188,7 @@
         </p:nvSpPr>
         <p:spPr>
           <a:xfrm>
-            <a:off x="2300438" y="4150542"/>
+            <a:off x="2300438" y="3913466"/>
             <a:ext cx="66390" cy="194603"/>
           </a:xfrm>
           <a:prstGeom prst="rect">
@@ -7235,7 +7235,7 @@
         </p:nvSpPr>
         <p:spPr>
           <a:xfrm>
-            <a:off x="2366828" y="4150542"/>
+            <a:off x="2366828" y="3913466"/>
             <a:ext cx="66390" cy="194603"/>
           </a:xfrm>
           <a:prstGeom prst="rect">
@@ -7282,7 +7282,7 @@
         </p:nvSpPr>
         <p:spPr>
           <a:xfrm>
-            <a:off x="2431697" y="4150542"/>
+            <a:off x="2431697" y="3913466"/>
             <a:ext cx="66390" cy="194603"/>
           </a:xfrm>
           <a:prstGeom prst="rect">
@@ -7327,7 +7327,7 @@
         </p:nvSpPr>
         <p:spPr>
           <a:xfrm>
-            <a:off x="2496479" y="4150542"/>
+            <a:off x="2496479" y="3913466"/>
             <a:ext cx="66390" cy="194603"/>
           </a:xfrm>
           <a:prstGeom prst="rect">
@@ -7372,7 +7372,7 @@
         </p:nvSpPr>
         <p:spPr>
           <a:xfrm>
-            <a:off x="2561348" y="4150542"/>
+            <a:off x="2561348" y="3913466"/>
             <a:ext cx="66390" cy="194603"/>
           </a:xfrm>
           <a:prstGeom prst="rect">
@@ -7419,7 +7419,7 @@
         </p:nvSpPr>
         <p:spPr>
           <a:xfrm>
-            <a:off x="2629449" y="4150542"/>
+            <a:off x="2629449" y="3913466"/>
             <a:ext cx="66390" cy="194603"/>
           </a:xfrm>
           <a:prstGeom prst="rect">
@@ -7466,7 +7466,7 @@
         </p:nvSpPr>
         <p:spPr>
           <a:xfrm>
-            <a:off x="2694318" y="4150542"/>
+            <a:off x="2694318" y="3913466"/>
             <a:ext cx="66390" cy="194603"/>
           </a:xfrm>
           <a:prstGeom prst="rect">
@@ -7511,7 +7511,7 @@
         </p:nvSpPr>
         <p:spPr>
           <a:xfrm>
-            <a:off x="2759100" y="4150542"/>
+            <a:off x="2759100" y="3913466"/>
             <a:ext cx="66390" cy="194603"/>
           </a:xfrm>
           <a:prstGeom prst="rect">
@@ -7556,7 +7556,7 @@
         </p:nvSpPr>
         <p:spPr>
           <a:xfrm>
-            <a:off x="2823969" y="4150542"/>
+            <a:off x="2823969" y="3913466"/>
             <a:ext cx="66390" cy="194603"/>
           </a:xfrm>
           <a:prstGeom prst="rect">
@@ -7601,7 +7601,7 @@
         </p:nvSpPr>
         <p:spPr>
           <a:xfrm>
-            <a:off x="2890359" y="4150542"/>
+            <a:off x="2890359" y="3913466"/>
             <a:ext cx="66390" cy="194603"/>
           </a:xfrm>
           <a:prstGeom prst="rect">
@@ -7646,7 +7646,7 @@
         </p:nvSpPr>
         <p:spPr>
           <a:xfrm>
-            <a:off x="2955228" y="4150542"/>
+            <a:off x="2955228" y="3913466"/>
             <a:ext cx="66390" cy="194603"/>
           </a:xfrm>
           <a:prstGeom prst="rect">
@@ -7691,7 +7691,7 @@
         </p:nvSpPr>
         <p:spPr>
           <a:xfrm>
-            <a:off x="3020010" y="4150542"/>
+            <a:off x="3020010" y="3913466"/>
             <a:ext cx="66390" cy="194603"/>
           </a:xfrm>
           <a:prstGeom prst="rect">
@@ -7736,7 +7736,7 @@
         </p:nvSpPr>
         <p:spPr>
           <a:xfrm>
-            <a:off x="3084879" y="4150542"/>
+            <a:off x="3084879" y="3913466"/>
             <a:ext cx="66390" cy="194603"/>
           </a:xfrm>
           <a:prstGeom prst="rect">
@@ -7781,7 +7781,7 @@
         </p:nvSpPr>
         <p:spPr>
           <a:xfrm>
-            <a:off x="3149910" y="4150542"/>
+            <a:off x="3149910" y="3913466"/>
             <a:ext cx="66390" cy="194603"/>
           </a:xfrm>
           <a:prstGeom prst="rect">
@@ -7828,7 +7828,7 @@
         </p:nvSpPr>
         <p:spPr>
           <a:xfrm>
-            <a:off x="3214779" y="4150542"/>
+            <a:off x="3214779" y="3913466"/>
             <a:ext cx="66390" cy="194603"/>
           </a:xfrm>
           <a:prstGeom prst="rect">
@@ -7875,7 +7875,7 @@
         </p:nvCxnSpPr>
         <p:spPr>
           <a:xfrm>
-            <a:off x="541655" y="4412299"/>
+            <a:off x="541655" y="4175223"/>
             <a:ext cx="716501" cy="0"/>
           </a:xfrm>
           <a:prstGeom prst="line">
@@ -7911,7 +7911,7 @@
         </p:nvCxnSpPr>
         <p:spPr>
           <a:xfrm rot="5400000">
-            <a:off x="495119" y="4410943"/>
+            <a:off x="495119" y="4173867"/>
             <a:ext cx="93073" cy="0"/>
           </a:xfrm>
           <a:prstGeom prst="line">
@@ -7947,7 +7947,7 @@
         </p:nvCxnSpPr>
         <p:spPr>
           <a:xfrm rot="5400000">
-            <a:off x="1213141" y="4412299"/>
+            <a:off x="1213141" y="4175223"/>
             <a:ext cx="93073" cy="0"/>
           </a:xfrm>
           <a:prstGeom prst="line">
@@ -7983,7 +7983,7 @@
         </p:nvGrpSpPr>
         <p:grpSpPr>
           <a:xfrm>
-            <a:off x="1130027" y="4449066"/>
+            <a:off x="1130027" y="4211990"/>
             <a:ext cx="718023" cy="94429"/>
             <a:chOff x="1127082" y="1865575"/>
             <a:chExt cx="718023" cy="94429"/>
@@ -8106,7 +8106,7 @@
         </p:nvGrpSpPr>
         <p:grpSpPr>
           <a:xfrm>
-            <a:off x="1718861" y="4365762"/>
+            <a:off x="1718861" y="4128686"/>
             <a:ext cx="718023" cy="94429"/>
             <a:chOff x="1127082" y="1865575"/>
             <a:chExt cx="718023" cy="94429"/>
@@ -8229,7 +8229,7 @@
         </p:nvSpPr>
         <p:spPr>
           <a:xfrm>
-            <a:off x="705172" y="4354043"/>
+            <a:off x="705172" y="4116967"/>
             <a:ext cx="337643" cy="215444"/>
           </a:xfrm>
           <a:prstGeom prst="rect">
@@ -8287,7 +8287,7 @@
         </p:nvSpPr>
         <p:spPr>
           <a:xfrm>
-            <a:off x="1877741" y="4361916"/>
+            <a:off x="1877741" y="4124840"/>
             <a:ext cx="387536" cy="215444"/>
           </a:xfrm>
           <a:prstGeom prst="rect">
@@ -8340,7 +8340,7 @@
         </p:nvGrpSpPr>
         <p:grpSpPr>
           <a:xfrm>
-            <a:off x="1972922" y="4449066"/>
+            <a:off x="1972922" y="4211990"/>
             <a:ext cx="718023" cy="94429"/>
             <a:chOff x="1127082" y="1865575"/>
             <a:chExt cx="718023" cy="94429"/>
@@ -8463,7 +8463,7 @@
         </p:nvGrpSpPr>
         <p:grpSpPr>
           <a:xfrm>
-            <a:off x="2561756" y="4365762"/>
+            <a:off x="2561756" y="4128686"/>
             <a:ext cx="718023" cy="94429"/>
             <a:chOff x="1127082" y="1865575"/>
             <a:chExt cx="718023" cy="94429"/>
@@ -8592,8 +8592,8 @@
         </p:nvSpPr>
         <p:spPr>
           <a:xfrm>
-            <a:off x="2739871" y="4361916"/>
-            <a:ext cx="349064" cy="215444"/>
+            <a:off x="2723523" y="4124840"/>
+            <a:ext cx="381759" cy="215444"/>
           </a:xfrm>
           <a:prstGeom prst="rect">
             <a:avLst/>
@@ -8602,6 +8602,428 @@
           <a:ln>
             <a:noFill/>
           </a:ln>
+        </p:spPr>
+        <p:txBody>
+          <a:bodyPr wrap="none" rtlCol="0">
+            <a:spAutoFit/>
+          </a:bodyPr>
+          <a:lstStyle/>
+          <a:p>
+            <a:pPr algn="ctr"/>
+            <a:r>
+              <a:rPr lang="en-US" sz="800" i="1" dirty="0" smtClean="0">
+                <a:solidFill>
+                  <a:schemeClr val="bg1">
+                    <a:lumMod val="50000"/>
+                  </a:schemeClr>
+                </a:solidFill>
+                <a:latin typeface="Times New Roman"/>
+                <a:cs typeface="Times New Roman"/>
+              </a:rPr>
+              <a:t>F</a:t>
+            </a:r>
+            <a:r>
+              <a:rPr lang="en-US" sz="800" i="1" baseline="-25000" dirty="0" smtClean="0">
+                <a:solidFill>
+                  <a:schemeClr val="bg1">
+                    <a:lumMod val="50000"/>
+                  </a:schemeClr>
+                </a:solidFill>
+                <a:latin typeface="Times New Roman"/>
+                <a:cs typeface="Times New Roman"/>
+              </a:rPr>
+              <a:t>2,M</a:t>
+            </a:r>
+            <a:endParaRPr lang="en-US" sz="800" i="1" baseline="-25000" dirty="0">
+              <a:solidFill>
+                <a:schemeClr val="bg1">
+                  <a:lumMod val="50000"/>
+                </a:schemeClr>
+              </a:solidFill>
+              <a:latin typeface="Times New Roman"/>
+              <a:cs typeface="Times New Roman"/>
+            </a:endParaRPr>
+          </a:p>
+        </p:txBody>
+      </p:sp>
+      <p:sp>
+        <p:nvSpPr>
+          <p:cNvPr id="343" name="Rectangle 342"/>
+          <p:cNvSpPr/>
+          <p:nvPr/>
+        </p:nvSpPr>
+        <p:spPr>
+          <a:xfrm>
+            <a:off x="1939843" y="3721529"/>
+            <a:ext cx="525160" cy="706967"/>
+          </a:xfrm>
+          <a:prstGeom prst="rect">
+            <a:avLst/>
+          </a:prstGeom>
+          <a:solidFill>
+            <a:schemeClr val="bg1"/>
+          </a:solidFill>
+          <a:ln>
+            <a:solidFill>
+              <a:schemeClr val="bg1"/>
+            </a:solidFill>
+          </a:ln>
+          <a:effectLst/>
+        </p:spPr>
+        <p:style>
+          <a:lnRef idx="1">
+            <a:schemeClr val="accent1"/>
+          </a:lnRef>
+          <a:fillRef idx="3">
+            <a:schemeClr val="accent1"/>
+          </a:fillRef>
+          <a:effectRef idx="2">
+            <a:schemeClr val="accent1"/>
+          </a:effectRef>
+          <a:fontRef idx="minor">
+            <a:schemeClr val="lt1"/>
+          </a:fontRef>
+        </p:style>
+        <p:txBody>
+          <a:bodyPr rtlCol="0" anchor="ctr"/>
+          <a:lstStyle/>
+          <a:p>
+            <a:pPr algn="ctr"/>
+            <a:endParaRPr lang="en-US"/>
+          </a:p>
+        </p:txBody>
+      </p:sp>
+      <p:sp>
+        <p:nvSpPr>
+          <p:cNvPr id="344" name="TextBox 343"/>
+          <p:cNvSpPr txBox="1"/>
+          <p:nvPr/>
+        </p:nvSpPr>
+        <p:spPr>
+          <a:xfrm>
+            <a:off x="1977626" y="3747630"/>
+            <a:ext cx="415498" cy="369332"/>
+          </a:xfrm>
+          <a:prstGeom prst="rect">
+            <a:avLst/>
+          </a:prstGeom>
+          <a:noFill/>
+          <a:ln>
+            <a:noFill/>
+          </a:ln>
+        </p:spPr>
+        <p:txBody>
+          <a:bodyPr wrap="none" rtlCol="0">
+            <a:spAutoFit/>
+          </a:bodyPr>
+          <a:lstStyle/>
+          <a:p>
+            <a:r>
+              <a:rPr lang="en-US" dirty="0" smtClean="0">
+                <a:latin typeface="Times"/>
+                <a:cs typeface="Times"/>
+              </a:rPr>
+              <a:t>…</a:t>
+            </a:r>
+            <a:endParaRPr lang="en-US" dirty="0">
+              <a:latin typeface="Times"/>
+              <a:cs typeface="Times"/>
+            </a:endParaRPr>
+          </a:p>
+        </p:txBody>
+      </p:sp>
+      <p:cxnSp>
+        <p:nvCxnSpPr>
+          <p:cNvPr id="346" name="Straight Connector 345"/>
+          <p:cNvCxnSpPr/>
+          <p:nvPr/>
+        </p:nvCxnSpPr>
+        <p:spPr>
+          <a:xfrm flipH="1">
+            <a:off x="542507" y="3404178"/>
+            <a:ext cx="2603789" cy="509288"/>
+          </a:xfrm>
+          <a:prstGeom prst="line">
+            <a:avLst/>
+          </a:prstGeom>
+          <a:ln w="9525" cmpd="sng">
+            <a:solidFill>
+              <a:srgbClr val="FF0000"/>
+            </a:solidFill>
+            <a:prstDash val="dash"/>
+          </a:ln>
+          <a:effectLst/>
+        </p:spPr>
+        <p:style>
+          <a:lnRef idx="2">
+            <a:schemeClr val="accent1"/>
+          </a:lnRef>
+          <a:fillRef idx="0">
+            <a:schemeClr val="accent1"/>
+          </a:fillRef>
+          <a:effectRef idx="1">
+            <a:schemeClr val="accent1"/>
+          </a:effectRef>
+          <a:fontRef idx="minor">
+            <a:schemeClr val="tx1"/>
+          </a:fontRef>
+        </p:style>
+      </p:cxnSp>
+      <p:cxnSp>
+        <p:nvCxnSpPr>
+          <p:cNvPr id="348" name="Straight Connector 347"/>
+          <p:cNvCxnSpPr/>
+          <p:nvPr/>
+        </p:nvCxnSpPr>
+        <p:spPr>
+          <a:xfrm flipH="1">
+            <a:off x="670871" y="3404178"/>
+            <a:ext cx="2603789" cy="509288"/>
+          </a:xfrm>
+          <a:prstGeom prst="line">
+            <a:avLst/>
+          </a:prstGeom>
+          <a:ln w="9525" cmpd="sng">
+            <a:solidFill>
+              <a:srgbClr val="FF0000"/>
+            </a:solidFill>
+            <a:prstDash val="dash"/>
+          </a:ln>
+          <a:effectLst/>
+        </p:spPr>
+        <p:style>
+          <a:lnRef idx="2">
+            <a:schemeClr val="accent1"/>
+          </a:lnRef>
+          <a:fillRef idx="0">
+            <a:schemeClr val="accent1"/>
+          </a:fillRef>
+          <a:effectRef idx="1">
+            <a:schemeClr val="accent1"/>
+          </a:effectRef>
+          <a:fontRef idx="minor">
+            <a:schemeClr val="tx1"/>
+          </a:fontRef>
+        </p:style>
+      </p:cxnSp>
+      <p:sp>
+        <p:nvSpPr>
+          <p:cNvPr id="363" name="TextBox 362"/>
+          <p:cNvSpPr txBox="1"/>
+          <p:nvPr/>
+        </p:nvSpPr>
+        <p:spPr>
+          <a:xfrm>
+            <a:off x="88897" y="3170758"/>
+            <a:ext cx="407133" cy="276999"/>
+          </a:xfrm>
+          <a:prstGeom prst="rect">
+            <a:avLst/>
+          </a:prstGeom>
+          <a:noFill/>
+        </p:spPr>
+        <p:txBody>
+          <a:bodyPr wrap="none" rtlCol="0">
+            <a:spAutoFit/>
+          </a:bodyPr>
+          <a:lstStyle/>
+          <a:p>
+            <a:r>
+              <a:rPr lang="en-US" sz="1200" dirty="0" smtClean="0">
+                <a:latin typeface="Times New Roman"/>
+                <a:cs typeface="Times New Roman"/>
+              </a:rPr>
+              <a:t>SS</a:t>
+            </a:r>
+            <a:r>
+              <a:rPr lang="en-US" sz="1200" baseline="-25000" dirty="0" smtClean="0">
+                <a:latin typeface="Times New Roman"/>
+                <a:cs typeface="Times New Roman"/>
+              </a:rPr>
+              <a:t>1</a:t>
+            </a:r>
+            <a:endParaRPr lang="en-US" sz="1200" baseline="-25000" dirty="0">
+              <a:latin typeface="Times New Roman"/>
+              <a:cs typeface="Times New Roman"/>
+            </a:endParaRPr>
+          </a:p>
+        </p:txBody>
+      </p:sp>
+      <p:sp>
+        <p:nvSpPr>
+          <p:cNvPr id="364" name="TextBox 363"/>
+          <p:cNvSpPr txBox="1"/>
+          <p:nvPr/>
+        </p:nvSpPr>
+        <p:spPr>
+          <a:xfrm>
+            <a:off x="88896" y="3873491"/>
+            <a:ext cx="407133" cy="276999"/>
+          </a:xfrm>
+          <a:prstGeom prst="rect">
+            <a:avLst/>
+          </a:prstGeom>
+          <a:noFill/>
+        </p:spPr>
+        <p:txBody>
+          <a:bodyPr wrap="none" rtlCol="0">
+            <a:spAutoFit/>
+          </a:bodyPr>
+          <a:lstStyle/>
+          <a:p>
+            <a:r>
+              <a:rPr lang="en-US" sz="1200" dirty="0" smtClean="0">
+                <a:latin typeface="Times New Roman"/>
+                <a:cs typeface="Times New Roman"/>
+              </a:rPr>
+              <a:t>SS</a:t>
+            </a:r>
+            <a:r>
+              <a:rPr lang="en-US" sz="1200" baseline="-25000" dirty="0">
+                <a:latin typeface="Times New Roman"/>
+                <a:cs typeface="Times New Roman"/>
+              </a:rPr>
+              <a:t>2</a:t>
+            </a:r>
+          </a:p>
+        </p:txBody>
+      </p:sp>
+      <p:cxnSp>
+        <p:nvCxnSpPr>
+          <p:cNvPr id="365" name="Straight Connector 364"/>
+          <p:cNvCxnSpPr/>
+          <p:nvPr/>
+        </p:nvCxnSpPr>
+        <p:spPr>
+          <a:xfrm flipH="1">
+            <a:off x="561557" y="4109028"/>
+            <a:ext cx="2603789" cy="509288"/>
+          </a:xfrm>
+          <a:prstGeom prst="line">
+            <a:avLst/>
+          </a:prstGeom>
+          <a:ln w="9525" cmpd="sng">
+            <a:solidFill>
+              <a:srgbClr val="FF0000"/>
+            </a:solidFill>
+            <a:prstDash val="dash"/>
+          </a:ln>
+          <a:effectLst/>
+        </p:spPr>
+        <p:style>
+          <a:lnRef idx="2">
+            <a:schemeClr val="accent1"/>
+          </a:lnRef>
+          <a:fillRef idx="0">
+            <a:schemeClr val="accent1"/>
+          </a:fillRef>
+          <a:effectRef idx="1">
+            <a:schemeClr val="accent1"/>
+          </a:effectRef>
+          <a:fontRef idx="minor">
+            <a:schemeClr val="tx1"/>
+          </a:fontRef>
+        </p:style>
+      </p:cxnSp>
+      <p:cxnSp>
+        <p:nvCxnSpPr>
+          <p:cNvPr id="366" name="Straight Connector 365"/>
+          <p:cNvCxnSpPr/>
+          <p:nvPr/>
+        </p:nvCxnSpPr>
+        <p:spPr>
+          <a:xfrm flipH="1">
+            <a:off x="689921" y="4109028"/>
+            <a:ext cx="2603789" cy="509288"/>
+          </a:xfrm>
+          <a:prstGeom prst="line">
+            <a:avLst/>
+          </a:prstGeom>
+          <a:ln w="9525" cmpd="sng">
+            <a:solidFill>
+              <a:srgbClr val="FF0000"/>
+            </a:solidFill>
+            <a:prstDash val="dash"/>
+          </a:ln>
+          <a:effectLst/>
+        </p:spPr>
+        <p:style>
+          <a:lnRef idx="2">
+            <a:schemeClr val="accent1"/>
+          </a:lnRef>
+          <a:fillRef idx="0">
+            <a:schemeClr val="accent1"/>
+          </a:fillRef>
+          <a:effectRef idx="1">
+            <a:schemeClr val="accent1"/>
+          </a:effectRef>
+          <a:fontRef idx="minor">
+            <a:schemeClr val="tx1"/>
+          </a:fontRef>
+        </p:style>
+      </p:cxnSp>
+      <p:sp>
+        <p:nvSpPr>
+          <p:cNvPr id="367" name="Rectangle 366"/>
+          <p:cNvSpPr/>
+          <p:nvPr/>
+        </p:nvSpPr>
+        <p:spPr>
+          <a:xfrm>
+            <a:off x="377742" y="4360325"/>
+            <a:ext cx="3044907" cy="292100"/>
+          </a:xfrm>
+          <a:prstGeom prst="rect">
+            <a:avLst/>
+          </a:prstGeom>
+          <a:solidFill>
+            <a:schemeClr val="bg1"/>
+          </a:solidFill>
+          <a:ln>
+            <a:solidFill>
+              <a:schemeClr val="bg1"/>
+            </a:solidFill>
+          </a:ln>
+          <a:effectLst/>
+        </p:spPr>
+        <p:style>
+          <a:lnRef idx="1">
+            <a:schemeClr val="accent1"/>
+          </a:lnRef>
+          <a:fillRef idx="3">
+            <a:schemeClr val="accent1"/>
+          </a:fillRef>
+          <a:effectRef idx="2">
+            <a:schemeClr val="accent1"/>
+          </a:effectRef>
+          <a:fontRef idx="minor">
+            <a:schemeClr val="lt1"/>
+          </a:fontRef>
+        </p:style>
+        <p:txBody>
+          <a:bodyPr rtlCol="0" anchor="ctr"/>
+          <a:lstStyle/>
+          <a:p>
+            <a:pPr algn="ctr"/>
+            <a:endParaRPr lang="en-US"/>
+          </a:p>
+        </p:txBody>
+      </p:sp>
+      <p:sp>
+        <p:nvSpPr>
+          <p:cNvPr id="332" name="TextBox 331"/>
+          <p:cNvSpPr txBox="1"/>
+          <p:nvPr/>
+        </p:nvSpPr>
+        <p:spPr>
+          <a:xfrm>
+            <a:off x="1316381" y="4217553"/>
+            <a:ext cx="337643" cy="215444"/>
+          </a:xfrm>
+          <a:prstGeom prst="rect">
+            <a:avLst/>
+          </a:prstGeom>
+          <a:noFill/>
         </p:spPr>
         <p:txBody>
           <a:bodyPr wrap="none" rtlCol="0">
@@ -8632,7 +9054,7 @@
                 <a:latin typeface="Times New Roman"/>
                 <a:cs typeface="Times New Roman"/>
               </a:rPr>
-              <a:t>2,N</a:t>
+              <a:t>2,2</a:t>
             </a:r>
             <a:endParaRPr lang="en-US" sz="800" i="1" baseline="-25000" dirty="0">
               <a:solidFill>
@@ -8648,435 +9070,13 @@
       </p:sp>
       <p:sp>
         <p:nvSpPr>
-          <p:cNvPr id="343" name="Rectangle 342"/>
-          <p:cNvSpPr/>
-          <p:nvPr/>
-        </p:nvSpPr>
-        <p:spPr>
-          <a:xfrm>
-            <a:off x="1939843" y="3958605"/>
-            <a:ext cx="525160" cy="706967"/>
-          </a:xfrm>
-          <a:prstGeom prst="rect">
-            <a:avLst/>
-          </a:prstGeom>
-          <a:solidFill>
-            <a:schemeClr val="bg1"/>
-          </a:solidFill>
-          <a:ln>
-            <a:solidFill>
-              <a:schemeClr val="bg1"/>
-            </a:solidFill>
-          </a:ln>
-          <a:effectLst/>
-        </p:spPr>
-        <p:style>
-          <a:lnRef idx="1">
-            <a:schemeClr val="accent1"/>
-          </a:lnRef>
-          <a:fillRef idx="3">
-            <a:schemeClr val="accent1"/>
-          </a:fillRef>
-          <a:effectRef idx="2">
-            <a:schemeClr val="accent1"/>
-          </a:effectRef>
-          <a:fontRef idx="minor">
-            <a:schemeClr val="lt1"/>
-          </a:fontRef>
-        </p:style>
-        <p:txBody>
-          <a:bodyPr rtlCol="0" anchor="ctr"/>
-          <a:lstStyle/>
-          <a:p>
-            <a:pPr algn="ctr"/>
-            <a:endParaRPr lang="en-US"/>
-          </a:p>
-        </p:txBody>
-      </p:sp>
-      <p:sp>
-        <p:nvSpPr>
-          <p:cNvPr id="344" name="TextBox 343"/>
-          <p:cNvSpPr txBox="1"/>
-          <p:nvPr/>
-        </p:nvSpPr>
-        <p:spPr>
-          <a:xfrm>
-            <a:off x="1977626" y="3984706"/>
-            <a:ext cx="415498" cy="369332"/>
-          </a:xfrm>
-          <a:prstGeom prst="rect">
-            <a:avLst/>
-          </a:prstGeom>
-          <a:noFill/>
-          <a:ln>
-            <a:noFill/>
-          </a:ln>
-        </p:spPr>
-        <p:txBody>
-          <a:bodyPr wrap="none" rtlCol="0">
-            <a:spAutoFit/>
-          </a:bodyPr>
-          <a:lstStyle/>
-          <a:p>
-            <a:r>
-              <a:rPr lang="en-US" dirty="0" smtClean="0">
-                <a:latin typeface="Times"/>
-                <a:cs typeface="Times"/>
-              </a:rPr>
-              <a:t>…</a:t>
-            </a:r>
-            <a:endParaRPr lang="en-US" dirty="0">
-              <a:latin typeface="Times"/>
-              <a:cs typeface="Times"/>
-            </a:endParaRPr>
-          </a:p>
-        </p:txBody>
-      </p:sp>
-      <p:cxnSp>
-        <p:nvCxnSpPr>
-          <p:cNvPr id="346" name="Straight Connector 345"/>
-          <p:cNvCxnSpPr/>
-          <p:nvPr/>
-        </p:nvCxnSpPr>
-        <p:spPr>
-          <a:xfrm flipH="1">
-            <a:off x="542507" y="3641254"/>
-            <a:ext cx="2603789" cy="509288"/>
-          </a:xfrm>
-          <a:prstGeom prst="line">
-            <a:avLst/>
-          </a:prstGeom>
-          <a:ln w="9525" cmpd="sng">
-            <a:solidFill>
-              <a:srgbClr val="FF0000"/>
-            </a:solidFill>
-            <a:prstDash val="dash"/>
-          </a:ln>
-          <a:effectLst/>
-        </p:spPr>
-        <p:style>
-          <a:lnRef idx="2">
-            <a:schemeClr val="accent1"/>
-          </a:lnRef>
-          <a:fillRef idx="0">
-            <a:schemeClr val="accent1"/>
-          </a:fillRef>
-          <a:effectRef idx="1">
-            <a:schemeClr val="accent1"/>
-          </a:effectRef>
-          <a:fontRef idx="minor">
-            <a:schemeClr val="tx1"/>
-          </a:fontRef>
-        </p:style>
-      </p:cxnSp>
-      <p:cxnSp>
-        <p:nvCxnSpPr>
-          <p:cNvPr id="348" name="Straight Connector 347"/>
-          <p:cNvCxnSpPr/>
-          <p:nvPr/>
-        </p:nvCxnSpPr>
-        <p:spPr>
-          <a:xfrm flipH="1">
-            <a:off x="670871" y="3641254"/>
-            <a:ext cx="2603789" cy="509288"/>
-          </a:xfrm>
-          <a:prstGeom prst="line">
-            <a:avLst/>
-          </a:prstGeom>
-          <a:ln w="9525" cmpd="sng">
-            <a:solidFill>
-              <a:srgbClr val="FF0000"/>
-            </a:solidFill>
-            <a:prstDash val="dash"/>
-          </a:ln>
-          <a:effectLst/>
-        </p:spPr>
-        <p:style>
-          <a:lnRef idx="2">
-            <a:schemeClr val="accent1"/>
-          </a:lnRef>
-          <a:fillRef idx="0">
-            <a:schemeClr val="accent1"/>
-          </a:fillRef>
-          <a:effectRef idx="1">
-            <a:schemeClr val="accent1"/>
-          </a:effectRef>
-          <a:fontRef idx="minor">
-            <a:schemeClr val="tx1"/>
-          </a:fontRef>
-        </p:style>
-      </p:cxnSp>
-      <p:sp>
-        <p:nvSpPr>
-          <p:cNvPr id="363" name="TextBox 362"/>
-          <p:cNvSpPr txBox="1"/>
-          <p:nvPr/>
-        </p:nvSpPr>
-        <p:spPr>
-          <a:xfrm>
-            <a:off x="88897" y="3407834"/>
-            <a:ext cx="407133" cy="276999"/>
-          </a:xfrm>
-          <a:prstGeom prst="rect">
-            <a:avLst/>
-          </a:prstGeom>
-          <a:noFill/>
-        </p:spPr>
-        <p:txBody>
-          <a:bodyPr wrap="none" rtlCol="0">
-            <a:spAutoFit/>
-          </a:bodyPr>
-          <a:lstStyle/>
-          <a:p>
-            <a:r>
-              <a:rPr lang="en-US" sz="1200" dirty="0" smtClean="0">
-                <a:latin typeface="Times New Roman"/>
-                <a:cs typeface="Times New Roman"/>
-              </a:rPr>
-              <a:t>SS</a:t>
-            </a:r>
-            <a:r>
-              <a:rPr lang="en-US" sz="1200" baseline="-25000" dirty="0" smtClean="0">
-                <a:latin typeface="Times New Roman"/>
-                <a:cs typeface="Times New Roman"/>
-              </a:rPr>
-              <a:t>1</a:t>
-            </a:r>
-            <a:endParaRPr lang="en-US" sz="1200" baseline="-25000" dirty="0">
-              <a:latin typeface="Times New Roman"/>
-              <a:cs typeface="Times New Roman"/>
-            </a:endParaRPr>
-          </a:p>
-        </p:txBody>
-      </p:sp>
-      <p:sp>
-        <p:nvSpPr>
-          <p:cNvPr id="364" name="TextBox 363"/>
-          <p:cNvSpPr txBox="1"/>
-          <p:nvPr/>
-        </p:nvSpPr>
-        <p:spPr>
-          <a:xfrm>
-            <a:off x="88896" y="4110567"/>
-            <a:ext cx="407133" cy="276999"/>
-          </a:xfrm>
-          <a:prstGeom prst="rect">
-            <a:avLst/>
-          </a:prstGeom>
-          <a:noFill/>
-        </p:spPr>
-        <p:txBody>
-          <a:bodyPr wrap="none" rtlCol="0">
-            <a:spAutoFit/>
-          </a:bodyPr>
-          <a:lstStyle/>
-          <a:p>
-            <a:r>
-              <a:rPr lang="en-US" sz="1200" dirty="0" smtClean="0">
-                <a:latin typeface="Times New Roman"/>
-                <a:cs typeface="Times New Roman"/>
-              </a:rPr>
-              <a:t>SS</a:t>
-            </a:r>
-            <a:r>
-              <a:rPr lang="en-US" sz="1200" baseline="-25000" dirty="0">
-                <a:latin typeface="Times New Roman"/>
-                <a:cs typeface="Times New Roman"/>
-              </a:rPr>
-              <a:t>2</a:t>
-            </a:r>
-          </a:p>
-        </p:txBody>
-      </p:sp>
-      <p:cxnSp>
-        <p:nvCxnSpPr>
-          <p:cNvPr id="365" name="Straight Connector 364"/>
-          <p:cNvCxnSpPr/>
-          <p:nvPr/>
-        </p:nvCxnSpPr>
-        <p:spPr>
-          <a:xfrm flipH="1">
-            <a:off x="561557" y="4346104"/>
-            <a:ext cx="2603789" cy="509288"/>
-          </a:xfrm>
-          <a:prstGeom prst="line">
-            <a:avLst/>
-          </a:prstGeom>
-          <a:ln w="9525" cmpd="sng">
-            <a:solidFill>
-              <a:srgbClr val="FF0000"/>
-            </a:solidFill>
-            <a:prstDash val="dash"/>
-          </a:ln>
-          <a:effectLst/>
-        </p:spPr>
-        <p:style>
-          <a:lnRef idx="2">
-            <a:schemeClr val="accent1"/>
-          </a:lnRef>
-          <a:fillRef idx="0">
-            <a:schemeClr val="accent1"/>
-          </a:fillRef>
-          <a:effectRef idx="1">
-            <a:schemeClr val="accent1"/>
-          </a:effectRef>
-          <a:fontRef idx="minor">
-            <a:schemeClr val="tx1"/>
-          </a:fontRef>
-        </p:style>
-      </p:cxnSp>
-      <p:cxnSp>
-        <p:nvCxnSpPr>
-          <p:cNvPr id="366" name="Straight Connector 365"/>
-          <p:cNvCxnSpPr/>
-          <p:nvPr/>
-        </p:nvCxnSpPr>
-        <p:spPr>
-          <a:xfrm flipH="1">
-            <a:off x="689921" y="4346104"/>
-            <a:ext cx="2603789" cy="509288"/>
-          </a:xfrm>
-          <a:prstGeom prst="line">
-            <a:avLst/>
-          </a:prstGeom>
-          <a:ln w="9525" cmpd="sng">
-            <a:solidFill>
-              <a:srgbClr val="FF0000"/>
-            </a:solidFill>
-            <a:prstDash val="dash"/>
-          </a:ln>
-          <a:effectLst/>
-        </p:spPr>
-        <p:style>
-          <a:lnRef idx="2">
-            <a:schemeClr val="accent1"/>
-          </a:lnRef>
-          <a:fillRef idx="0">
-            <a:schemeClr val="accent1"/>
-          </a:fillRef>
-          <a:effectRef idx="1">
-            <a:schemeClr val="accent1"/>
-          </a:effectRef>
-          <a:fontRef idx="minor">
-            <a:schemeClr val="tx1"/>
-          </a:fontRef>
-        </p:style>
-      </p:cxnSp>
-      <p:sp>
-        <p:nvSpPr>
-          <p:cNvPr id="367" name="Rectangle 366"/>
-          <p:cNvSpPr/>
-          <p:nvPr/>
-        </p:nvSpPr>
-        <p:spPr>
-          <a:xfrm>
-            <a:off x="377742" y="4597401"/>
-            <a:ext cx="3044907" cy="292100"/>
-          </a:xfrm>
-          <a:prstGeom prst="rect">
-            <a:avLst/>
-          </a:prstGeom>
-          <a:solidFill>
-            <a:schemeClr val="bg1"/>
-          </a:solidFill>
-          <a:ln>
-            <a:solidFill>
-              <a:schemeClr val="bg1"/>
-            </a:solidFill>
-          </a:ln>
-          <a:effectLst/>
-        </p:spPr>
-        <p:style>
-          <a:lnRef idx="1">
-            <a:schemeClr val="accent1"/>
-          </a:lnRef>
-          <a:fillRef idx="3">
-            <a:schemeClr val="accent1"/>
-          </a:fillRef>
-          <a:effectRef idx="2">
-            <a:schemeClr val="accent1"/>
-          </a:effectRef>
-          <a:fontRef idx="minor">
-            <a:schemeClr val="lt1"/>
-          </a:fontRef>
-        </p:style>
-        <p:txBody>
-          <a:bodyPr rtlCol="0" anchor="ctr"/>
-          <a:lstStyle/>
-          <a:p>
-            <a:pPr algn="ctr"/>
-            <a:endParaRPr lang="en-US"/>
-          </a:p>
-        </p:txBody>
-      </p:sp>
-      <p:sp>
-        <p:nvSpPr>
-          <p:cNvPr id="332" name="TextBox 331"/>
-          <p:cNvSpPr txBox="1"/>
-          <p:nvPr/>
-        </p:nvSpPr>
-        <p:spPr>
-          <a:xfrm>
-            <a:off x="1316381" y="4454629"/>
-            <a:ext cx="337643" cy="215444"/>
-          </a:xfrm>
-          <a:prstGeom prst="rect">
-            <a:avLst/>
-          </a:prstGeom>
-          <a:noFill/>
-        </p:spPr>
-        <p:txBody>
-          <a:bodyPr wrap="none" rtlCol="0">
-            <a:spAutoFit/>
-          </a:bodyPr>
-          <a:lstStyle/>
-          <a:p>
-            <a:pPr algn="ctr"/>
-            <a:r>
-              <a:rPr lang="en-US" sz="800" i="1" dirty="0">
-                <a:solidFill>
-                  <a:schemeClr val="bg1">
-                    <a:lumMod val="50000"/>
-                  </a:schemeClr>
-                </a:solidFill>
-                <a:latin typeface="Times New Roman"/>
-                <a:cs typeface="Times New Roman"/>
-              </a:rPr>
-              <a:t>f</a:t>
-            </a:r>
-            <a:r>
-              <a:rPr lang="en-US" sz="800" i="1" baseline="-25000" dirty="0" smtClean="0">
-                <a:solidFill>
-                  <a:schemeClr val="bg1">
-                    <a:lumMod val="50000"/>
-                  </a:schemeClr>
-                </a:solidFill>
-                <a:latin typeface="Times New Roman"/>
-                <a:cs typeface="Times New Roman"/>
-              </a:rPr>
-              <a:t>2,2</a:t>
-            </a:r>
-            <a:endParaRPr lang="en-US" sz="800" i="1" baseline="-25000" dirty="0">
-              <a:solidFill>
-                <a:schemeClr val="bg1">
-                  <a:lumMod val="50000"/>
-                </a:schemeClr>
-              </a:solidFill>
-              <a:latin typeface="Times New Roman"/>
-              <a:cs typeface="Times New Roman"/>
-            </a:endParaRPr>
-          </a:p>
-        </p:txBody>
-      </p:sp>
-      <p:sp>
-        <p:nvSpPr>
           <p:cNvPr id="369" name="TextBox 368"/>
           <p:cNvSpPr txBox="1"/>
           <p:nvPr/>
         </p:nvSpPr>
         <p:spPr>
           <a:xfrm>
-            <a:off x="1631727" y="5035548"/>
+            <a:off x="1631727" y="4595264"/>
             <a:ext cx="319243" cy="230832"/>
           </a:xfrm>
           <a:prstGeom prst="rect">
@@ -9112,8 +9112,8 @@
         </p:nvSpPr>
         <p:spPr>
           <a:xfrm rot="5400000">
-            <a:off x="1799826" y="4638756"/>
-            <a:ext cx="415498" cy="369332"/>
+            <a:off x="1838298" y="4363177"/>
+            <a:ext cx="338554" cy="276999"/>
           </a:xfrm>
           <a:prstGeom prst="rect">
             <a:avLst/>
@@ -9130,13 +9130,13 @@
           <a:lstStyle/>
           <a:p>
             <a:r>
-              <a:rPr lang="en-US" dirty="0" smtClean="0">
+              <a:rPr lang="en-US" sz="1200" dirty="0" smtClean="0">
                 <a:latin typeface="Times"/>
                 <a:cs typeface="Times"/>
               </a:rPr>
               <a:t>…</a:t>
             </a:r>
-            <a:endParaRPr lang="en-US" dirty="0">
+            <a:endParaRPr lang="en-US" sz="1200" dirty="0">
               <a:latin typeface="Times"/>
               <a:cs typeface="Times"/>
             </a:endParaRPr>
@@ -9167,8 +9167,8 @@
           <a:p>
             <a:r>
               <a:rPr lang="en-US" sz="700" dirty="0" smtClean="0">
-                <a:latin typeface="Courier"/>
-                <a:cs typeface="Courier"/>
+                <a:latin typeface="Courier New"/>
+                <a:cs typeface="Courier New"/>
               </a:rPr>
               <a:t>while (input) {  //SS loop</a:t>
             </a:r>
@@ -9176,43 +9176,43 @@
           <a:p>
             <a:r>
               <a:rPr lang="en-US" sz="700" dirty="0">
-                <a:latin typeface="Courier"/>
-                <a:cs typeface="Courier"/>
+                <a:latin typeface="Courier New"/>
+                <a:cs typeface="Courier New"/>
               </a:rPr>
               <a:t> </a:t>
             </a:r>
             <a:r>
               <a:rPr lang="en-US" sz="700" dirty="0" smtClean="0">
-                <a:latin typeface="Courier"/>
-                <a:cs typeface="Courier"/>
+                <a:latin typeface="Courier New"/>
+                <a:cs typeface="Courier New"/>
               </a:rPr>
               <a:t> </a:t>
             </a:r>
             <a:r>
               <a:rPr lang="en-US" sz="700" dirty="0" err="1" smtClean="0">
-                <a:latin typeface="Courier"/>
-                <a:cs typeface="Courier"/>
+                <a:latin typeface="Courier New"/>
+                <a:cs typeface="Courier New"/>
               </a:rPr>
               <a:t>int</a:t>
             </a:r>
             <a:r>
               <a:rPr lang="en-US" sz="700" dirty="0" smtClean="0">
-                <a:latin typeface="Courier"/>
-                <a:cs typeface="Courier"/>
+                <a:latin typeface="Courier New"/>
+                <a:cs typeface="Courier New"/>
               </a:rPr>
               <a:t> </a:t>
             </a:r>
             <a:r>
               <a:rPr lang="en-US" sz="700" dirty="0" err="1" smtClean="0">
-                <a:latin typeface="Courier"/>
-                <a:cs typeface="Courier"/>
+                <a:latin typeface="Courier New"/>
+                <a:cs typeface="Courier New"/>
               </a:rPr>
               <a:t>f_in</a:t>
             </a:r>
             <a:r>
               <a:rPr lang="en-US" sz="700" dirty="0" smtClean="0">
-                <a:latin typeface="Courier"/>
-                <a:cs typeface="Courier"/>
+                <a:latin typeface="Courier New"/>
+                <a:cs typeface="Courier New"/>
               </a:rPr>
               <a:t>[X]; </a:t>
             </a:r>
@@ -9220,195 +9220,206 @@
           <a:p>
             <a:r>
               <a:rPr lang="en-US" sz="700" dirty="0">
-                <a:latin typeface="Courier"/>
-                <a:cs typeface="Courier"/>
+                <a:latin typeface="Courier New"/>
+                <a:cs typeface="Courier New"/>
               </a:rPr>
               <a:t> </a:t>
             </a:r>
             <a:r>
               <a:rPr lang="en-US" sz="700" dirty="0" smtClean="0">
-                <a:latin typeface="Courier"/>
-                <a:cs typeface="Courier"/>
+                <a:latin typeface="Courier New"/>
+                <a:cs typeface="Courier New"/>
               </a:rPr>
               <a:t> …</a:t>
             </a:r>
+            <a:endParaRPr lang="en-US" sz="700" dirty="0">
+              <a:latin typeface="Courier New"/>
+              <a:cs typeface="Courier New"/>
+            </a:endParaRPr>
+          </a:p>
+          <a:p>
+            <a:r>
+              <a:rPr lang="en-US" sz="700" dirty="0" smtClean="0">
+                <a:latin typeface="Courier New"/>
+                <a:cs typeface="Courier New"/>
+              </a:rPr>
+              <a:t>  //producers of </a:t>
+            </a:r>
+            <a:r>
+              <a:rPr lang="en-US" sz="700" i="1" dirty="0" smtClean="0">
+                <a:latin typeface="Courier New"/>
+                <a:cs typeface="Courier New"/>
+              </a:rPr>
+              <a:t>f</a:t>
+            </a:r>
+            <a:r>
+              <a:rPr lang="en-US" sz="700" dirty="0" smtClean="0">
+                <a:latin typeface="Courier New"/>
+                <a:cs typeface="Courier New"/>
+              </a:rPr>
+              <a:t> execute, write into </a:t>
+            </a:r>
+            <a:r>
+              <a:rPr lang="en-US" sz="700" dirty="0" err="1" smtClean="0">
+                <a:latin typeface="Courier New"/>
+                <a:cs typeface="Courier New"/>
+              </a:rPr>
+              <a:t>f_in</a:t>
+            </a:r>
+            <a:endParaRPr lang="en-US" sz="700" dirty="0" smtClean="0">
+              <a:latin typeface="Courier New"/>
+              <a:cs typeface="Courier New"/>
+            </a:endParaRPr>
+          </a:p>
+          <a:p>
+            <a:r>
+              <a:rPr lang="en-US" sz="700" dirty="0" smtClean="0">
+                <a:latin typeface="Courier New"/>
+                <a:cs typeface="Courier New"/>
+              </a:rPr>
+              <a:t>  …</a:t>
+            </a:r>
+          </a:p>
+          <a:p>
+            <a:r>
+              <a:rPr lang="en-US" sz="700" dirty="0" smtClean="0">
+                <a:latin typeface="Courier New"/>
+                <a:cs typeface="Courier New"/>
+              </a:rPr>
+              <a:t>  for (0.</a:t>
+            </a:r>
+            <a:r>
+              <a:rPr lang="en-US" sz="700" dirty="0" smtClean="0">
+                <a:latin typeface="Courier New"/>
+                <a:cs typeface="Courier New"/>
+              </a:rPr>
+              <a:t>.M)</a:t>
+            </a:r>
+            <a:endParaRPr lang="en-US" sz="700" dirty="0" smtClean="0">
+              <a:latin typeface="Courier New"/>
+              <a:cs typeface="Courier New"/>
+            </a:endParaRPr>
+          </a:p>
+          <a:p>
+            <a:r>
+              <a:rPr lang="en-US" sz="700" dirty="0">
+                <a:latin typeface="Courier New"/>
+                <a:cs typeface="Courier New"/>
+              </a:rPr>
+              <a:t> </a:t>
+            </a:r>
+            <a:r>
+              <a:rPr lang="en-US" sz="700" dirty="0" smtClean="0">
+                <a:latin typeface="Courier New"/>
+                <a:cs typeface="Courier New"/>
+              </a:rPr>
+              <a:t>   </a:t>
+            </a:r>
+            <a:r>
+              <a:rPr lang="en-US" sz="700" i="1" dirty="0" smtClean="0">
+                <a:latin typeface="Courier New"/>
+                <a:cs typeface="Courier New"/>
+              </a:rPr>
+              <a:t>f</a:t>
+            </a:r>
+            <a:r>
+              <a:rPr lang="en-US" sz="700" dirty="0" smtClean="0">
+                <a:latin typeface="Courier New"/>
+                <a:cs typeface="Courier New"/>
+              </a:rPr>
+              <a:t>(input);  </a:t>
+            </a:r>
+          </a:p>
+          <a:p>
+            <a:endParaRPr lang="en-US" sz="700" dirty="0">
+              <a:latin typeface="Courier New"/>
+              <a:cs typeface="Courier New"/>
+            </a:endParaRPr>
+          </a:p>
+          <a:p>
+            <a:r>
+              <a:rPr lang="en-US" sz="700" dirty="0">
+                <a:latin typeface="Courier New"/>
+                <a:cs typeface="Courier New"/>
+              </a:rPr>
+              <a:t> </a:t>
+            </a:r>
+            <a:r>
+              <a:rPr lang="en-US" sz="700" dirty="0" smtClean="0">
+                <a:latin typeface="Courier New"/>
+                <a:cs typeface="Courier New"/>
+              </a:rPr>
+              <a:t> //copy-shift of </a:t>
+            </a:r>
+            <a:r>
+              <a:rPr lang="en-US" sz="700" i="1" dirty="0" smtClean="0">
+                <a:latin typeface="Courier New"/>
+                <a:cs typeface="Courier New"/>
+              </a:rPr>
+              <a:t>f</a:t>
+            </a:r>
+            <a:r>
+              <a:rPr lang="en-US" sz="700" dirty="0" smtClean="0">
+                <a:latin typeface="Courier New"/>
+                <a:cs typeface="Courier New"/>
+              </a:rPr>
+              <a:t>’s input buffer</a:t>
+            </a:r>
+          </a:p>
+          <a:p>
+            <a:endParaRPr lang="en-US" sz="700" dirty="0">
+              <a:latin typeface="Courier New"/>
+              <a:cs typeface="Courier New"/>
+            </a:endParaRPr>
+          </a:p>
+          <a:p>
+            <a:r>
+              <a:rPr lang="en-US" sz="700" dirty="0" smtClean="0">
+                <a:latin typeface="Courier New"/>
+                <a:cs typeface="Courier New"/>
+              </a:rPr>
+              <a:t>  //consumers of </a:t>
+            </a:r>
+            <a:r>
+              <a:rPr lang="en-US" sz="700" i="1" dirty="0" smtClean="0">
+                <a:latin typeface="Courier New"/>
+                <a:cs typeface="Courier New"/>
+              </a:rPr>
+              <a:t>f</a:t>
+            </a:r>
+            <a:endParaRPr lang="en-US" sz="700" dirty="0" smtClean="0">
+              <a:latin typeface="Courier New"/>
+              <a:cs typeface="Courier New"/>
+            </a:endParaRPr>
+          </a:p>
+          <a:p>
+            <a:r>
+              <a:rPr lang="en-US" sz="700" dirty="0" smtClean="0">
+                <a:latin typeface="Courier New"/>
+                <a:cs typeface="Courier New"/>
+              </a:rPr>
+              <a:t>  …</a:t>
+            </a:r>
+            <a:endParaRPr lang="en-US" sz="700" dirty="0">
+              <a:latin typeface="Courier New"/>
+              <a:cs typeface="Courier New"/>
+            </a:endParaRPr>
+          </a:p>
+          <a:p>
+            <a:r>
+              <a:rPr lang="en-US" sz="700" dirty="0" smtClean="0">
+                <a:latin typeface="Courier New"/>
+                <a:cs typeface="Courier New"/>
+              </a:rPr>
+              <a:t>}</a:t>
+            </a:r>
+          </a:p>
+          <a:p>
             <a:endParaRPr lang="en-US" sz="700" dirty="0">
               <a:latin typeface="Courier"/>
               <a:cs typeface="Courier"/>
             </a:endParaRPr>
           </a:p>
-          <a:p>
-            <a:r>
-              <a:rPr lang="en-US" sz="700" dirty="0" smtClean="0">
-                <a:latin typeface="Courier"/>
-                <a:cs typeface="Courier"/>
-              </a:rPr>
-              <a:t>  //producers of </a:t>
-            </a:r>
-            <a:r>
-              <a:rPr lang="en-US" sz="700" i="1" dirty="0" smtClean="0">
-                <a:latin typeface="Times New Roman"/>
-                <a:cs typeface="Times New Roman"/>
-              </a:rPr>
-              <a:t>f</a:t>
-            </a:r>
-            <a:r>
-              <a:rPr lang="en-US" sz="700" dirty="0" smtClean="0">
-                <a:latin typeface="Courier"/>
-                <a:cs typeface="Courier"/>
-              </a:rPr>
-              <a:t> execute, write into </a:t>
-            </a:r>
-            <a:r>
-              <a:rPr lang="en-US" sz="700" dirty="0" err="1" smtClean="0">
-                <a:latin typeface="Courier"/>
-                <a:cs typeface="Courier"/>
-              </a:rPr>
-              <a:t>f_in</a:t>
-            </a:r>
-            <a:endParaRPr lang="en-US" sz="700" dirty="0" smtClean="0">
-              <a:latin typeface="Courier"/>
-              <a:cs typeface="Courier"/>
-            </a:endParaRPr>
-          </a:p>
-          <a:p>
-            <a:r>
-              <a:rPr lang="en-US" sz="700" dirty="0" smtClean="0">
-                <a:latin typeface="Courier"/>
-                <a:cs typeface="Courier"/>
-              </a:rPr>
-              <a:t>  …</a:t>
-            </a:r>
-          </a:p>
-          <a:p>
-            <a:r>
-              <a:rPr lang="en-US" sz="700" dirty="0" smtClean="0">
-                <a:latin typeface="Courier"/>
-                <a:cs typeface="Courier"/>
-              </a:rPr>
-              <a:t>  for (0..N)</a:t>
-            </a:r>
-          </a:p>
-          <a:p>
-            <a:r>
-              <a:rPr lang="en-US" sz="700" dirty="0">
-                <a:latin typeface="Courier"/>
-                <a:cs typeface="Courier"/>
-              </a:rPr>
-              <a:t> </a:t>
-            </a:r>
-            <a:r>
-              <a:rPr lang="en-US" sz="700" dirty="0" smtClean="0">
-                <a:latin typeface="Courier"/>
-                <a:cs typeface="Courier"/>
-              </a:rPr>
-              <a:t>   </a:t>
-            </a:r>
-            <a:r>
-              <a:rPr lang="en-US" sz="700" i="1" dirty="0" smtClean="0">
-                <a:latin typeface="Times New Roman"/>
-                <a:cs typeface="Times New Roman"/>
-              </a:rPr>
-              <a:t>f</a:t>
-            </a:r>
-            <a:r>
-              <a:rPr lang="en-US" sz="700" dirty="0" smtClean="0">
-                <a:latin typeface="Courier"/>
-                <a:cs typeface="Courier"/>
-              </a:rPr>
-              <a:t>(input);  </a:t>
-            </a:r>
-          </a:p>
-          <a:p>
-            <a:endParaRPr lang="en-US" sz="700" dirty="0">
-              <a:latin typeface="Courier"/>
-              <a:cs typeface="Courier"/>
-            </a:endParaRPr>
-          </a:p>
-          <a:p>
-            <a:r>
-              <a:rPr lang="en-US" sz="700" dirty="0">
-                <a:latin typeface="Courier"/>
-                <a:cs typeface="Courier"/>
-              </a:rPr>
-              <a:t> </a:t>
-            </a:r>
-            <a:r>
-              <a:rPr lang="en-US" sz="700" dirty="0" smtClean="0">
-                <a:latin typeface="Courier"/>
-                <a:cs typeface="Courier"/>
-              </a:rPr>
-              <a:t> //copy-shift of </a:t>
-            </a:r>
-            <a:r>
-              <a:rPr lang="en-US" sz="700" i="1" dirty="0" smtClean="0">
-                <a:latin typeface="Times New Roman"/>
-                <a:cs typeface="Times New Roman"/>
-              </a:rPr>
-              <a:t>f</a:t>
-            </a:r>
-            <a:r>
-              <a:rPr lang="en-US" sz="700" dirty="0" smtClean="0">
-                <a:latin typeface="Courier"/>
-                <a:cs typeface="Courier"/>
-              </a:rPr>
-              <a:t>’s input buffer</a:t>
-            </a:r>
-          </a:p>
-          <a:p>
-            <a:endParaRPr lang="en-US" sz="700" dirty="0">
-              <a:latin typeface="Courier"/>
-              <a:cs typeface="Courier"/>
-            </a:endParaRPr>
-          </a:p>
-          <a:p>
-            <a:r>
-              <a:rPr lang="en-US" sz="700" dirty="0" smtClean="0">
-                <a:latin typeface="Courier"/>
-                <a:cs typeface="Courier"/>
-              </a:rPr>
-              <a:t>  //consumers of </a:t>
-            </a:r>
-            <a:r>
-              <a:rPr lang="en-US" sz="700" i="1" dirty="0" smtClean="0">
-                <a:latin typeface="Times New Roman"/>
-                <a:cs typeface="Times New Roman"/>
-              </a:rPr>
-              <a:t>f</a:t>
-            </a:r>
-            <a:endParaRPr lang="en-US" sz="700" dirty="0" smtClean="0">
-              <a:latin typeface="Courier"/>
-              <a:cs typeface="Courier"/>
-            </a:endParaRPr>
-          </a:p>
-          <a:p>
-            <a:r>
-              <a:rPr lang="en-US" sz="700" dirty="0" smtClean="0">
-                <a:latin typeface="Courier"/>
-                <a:cs typeface="Courier"/>
-              </a:rPr>
-              <a:t>  …</a:t>
-            </a:r>
-            <a:endParaRPr lang="en-US" sz="700" dirty="0">
-              <a:latin typeface="Courier"/>
-              <a:cs typeface="Courier"/>
-            </a:endParaRPr>
-          </a:p>
-          <a:p>
-            <a:r>
-              <a:rPr lang="en-US" sz="700" dirty="0" smtClean="0">
-                <a:latin typeface="Courier"/>
-                <a:cs typeface="Courier"/>
-              </a:rPr>
-              <a:t>}</a:t>
-            </a:r>
-          </a:p>
-          <a:p>
-            <a:endParaRPr lang="en-US" sz="700" dirty="0">
-              <a:latin typeface="Courier"/>
-              <a:cs typeface="Courier"/>
-            </a:endParaRPr>
-          </a:p>
         </p:txBody>
       </p:sp>
       <p:sp>
@@ -9419,7 +9430,7 @@
         </p:nvSpPr>
         <p:spPr>
           <a:xfrm>
-            <a:off x="1631505" y="2664878"/>
+            <a:off x="1631505" y="2605609"/>
             <a:ext cx="312762" cy="230832"/>
           </a:xfrm>
           <a:prstGeom prst="rect">
@@ -9434,7 +9445,7 @@
           <a:lstStyle/>
           <a:p>
             <a:r>
-              <a:rPr lang="en-US" sz="900" smtClean="0">
+              <a:rPr lang="en-US" sz="900" dirty="0" smtClean="0">
                 <a:latin typeface="Times"/>
                 <a:cs typeface="Times"/>
               </a:rPr>
@@ -9455,7 +9466,7 @@
         </p:nvGrpSpPr>
         <p:grpSpPr>
           <a:xfrm>
-            <a:off x="542882" y="3211774"/>
+            <a:off x="542882" y="2974698"/>
             <a:ext cx="2733718" cy="132558"/>
             <a:chOff x="1127082" y="1865575"/>
             <a:chExt cx="718023" cy="94429"/>
@@ -9584,7 +9595,7 @@
         </p:nvSpPr>
         <p:spPr>
           <a:xfrm>
-            <a:off x="1344019" y="3073405"/>
+            <a:off x="1344019" y="2836329"/>
             <a:ext cx="1055419" cy="215444"/>
           </a:xfrm>
           <a:prstGeom prst="rect">
